--- a/读书笔记/程序员的自我修养/程序员的自我修养.pptx
+++ b/读书笔记/程序员的自我修养/程序员的自我修养.pptx
@@ -6733,7 +6733,7 @@
         </p:nvSpPr>
         <p:spPr>
           <a:xfrm>
-            <a:off x="3731823" y="3817433"/>
+            <a:off x="4165870" y="3785044"/>
             <a:ext cx="1076845" cy="378785"/>
           </a:xfrm>
           <a:prstGeom prst="rect">
@@ -6868,10 +6868,9 @@
               <a:t>-4</a:t>
             </a:r>
             <a:r>
-              <a:rPr kumimoji="1" lang="zh-CN" altLang="en-US"/>
+              <a:rPr kumimoji="1" lang="zh-CN" altLang="en-US" dirty="0"/>
               <a:t>的补码</a:t>
             </a:r>
-            <a:endParaRPr kumimoji="1" lang="zh-CN" altLang="en-US" dirty="0"/>
           </a:p>
         </p:txBody>
       </p:sp>
